--- a/Presentations/ML Recurrent Neural Networks.pptx
+++ b/Presentations/ML Recurrent Neural Networks.pptx
@@ -200,7 +200,7 @@
           <a:p>
             <a:fld id="{FAF957FC-5175-49AC-8D2B-2F056FFFC1DD}" type="datetimeFigureOut">
               <a:rPr lang="en-US" smtClean="0"/>
-              <a:t>9/5/2017</a:t>
+              <a:t>11/19/2017</a:t>
             </a:fld>
             <a:endParaRPr lang="en-US"/>
           </a:p>
@@ -986,7 +986,7 @@
             <a:fld id="{1D8BD707-D9CF-40AE-B4C6-C98DA3205C09}" type="datetimeFigureOut">
               <a:rPr lang="en-US" smtClean="0"/>
               <a:pPr/>
-              <a:t>9/5/2017</a:t>
+              <a:t>11/19/2017</a:t>
             </a:fld>
             <a:endParaRPr lang="en-US"/>
           </a:p>
@@ -1153,7 +1153,7 @@
             <a:fld id="{1D8BD707-D9CF-40AE-B4C6-C98DA3205C09}" type="datetimeFigureOut">
               <a:rPr lang="en-US" smtClean="0"/>
               <a:pPr/>
-              <a:t>9/5/2017</a:t>
+              <a:t>11/19/2017</a:t>
             </a:fld>
             <a:endParaRPr lang="en-US"/>
           </a:p>
@@ -1330,7 +1330,7 @@
             <a:fld id="{1D8BD707-D9CF-40AE-B4C6-C98DA3205C09}" type="datetimeFigureOut">
               <a:rPr lang="en-US" smtClean="0"/>
               <a:pPr/>
-              <a:t>9/5/2017</a:t>
+              <a:t>11/19/2017</a:t>
             </a:fld>
             <a:endParaRPr lang="en-US"/>
           </a:p>
@@ -1497,7 +1497,7 @@
             <a:fld id="{1D8BD707-D9CF-40AE-B4C6-C98DA3205C09}" type="datetimeFigureOut">
               <a:rPr lang="en-US" smtClean="0"/>
               <a:pPr/>
-              <a:t>9/5/2017</a:t>
+              <a:t>11/19/2017</a:t>
             </a:fld>
             <a:endParaRPr lang="en-US"/>
           </a:p>
@@ -1740,7 +1740,7 @@
             <a:fld id="{1D8BD707-D9CF-40AE-B4C6-C98DA3205C09}" type="datetimeFigureOut">
               <a:rPr lang="en-US" smtClean="0"/>
               <a:pPr/>
-              <a:t>9/5/2017</a:t>
+              <a:t>11/19/2017</a:t>
             </a:fld>
             <a:endParaRPr lang="en-US"/>
           </a:p>
@@ -2025,7 +2025,7 @@
             <a:fld id="{1D8BD707-D9CF-40AE-B4C6-C98DA3205C09}" type="datetimeFigureOut">
               <a:rPr lang="en-US" smtClean="0"/>
               <a:pPr/>
-              <a:t>9/5/2017</a:t>
+              <a:t>11/19/2017</a:t>
             </a:fld>
             <a:endParaRPr lang="en-US"/>
           </a:p>
@@ -2444,7 +2444,7 @@
             <a:fld id="{1D8BD707-D9CF-40AE-B4C6-C98DA3205C09}" type="datetimeFigureOut">
               <a:rPr lang="en-US" smtClean="0"/>
               <a:pPr/>
-              <a:t>9/5/2017</a:t>
+              <a:t>11/19/2017</a:t>
             </a:fld>
             <a:endParaRPr lang="en-US"/>
           </a:p>
@@ -2559,7 +2559,7 @@
             <a:fld id="{1D8BD707-D9CF-40AE-B4C6-C98DA3205C09}" type="datetimeFigureOut">
               <a:rPr lang="en-US" smtClean="0"/>
               <a:pPr/>
-              <a:t>9/5/2017</a:t>
+              <a:t>11/19/2017</a:t>
             </a:fld>
             <a:endParaRPr lang="en-US"/>
           </a:p>
@@ -2651,7 +2651,7 @@
             <a:fld id="{1D8BD707-D9CF-40AE-B4C6-C98DA3205C09}" type="datetimeFigureOut">
               <a:rPr lang="en-US" smtClean="0"/>
               <a:pPr/>
-              <a:t>9/5/2017</a:t>
+              <a:t>11/19/2017</a:t>
             </a:fld>
             <a:endParaRPr lang="en-US"/>
           </a:p>
@@ -2925,7 +2925,7 @@
             <a:fld id="{1D8BD707-D9CF-40AE-B4C6-C98DA3205C09}" type="datetimeFigureOut">
               <a:rPr lang="en-US" smtClean="0"/>
               <a:pPr/>
-              <a:t>9/5/2017</a:t>
+              <a:t>11/19/2017</a:t>
             </a:fld>
             <a:endParaRPr lang="en-US"/>
           </a:p>
@@ -3175,7 +3175,7 @@
             <a:fld id="{1D8BD707-D9CF-40AE-B4C6-C98DA3205C09}" type="datetimeFigureOut">
               <a:rPr lang="en-US" smtClean="0"/>
               <a:pPr/>
-              <a:t>9/5/2017</a:t>
+              <a:t>11/19/2017</a:t>
             </a:fld>
             <a:endParaRPr lang="en-US"/>
           </a:p>
@@ -3385,7 +3385,7 @@
             <a:fld id="{1D8BD707-D9CF-40AE-B4C6-C98DA3205C09}" type="datetimeFigureOut">
               <a:rPr lang="en-US" smtClean="0"/>
               <a:pPr/>
-              <a:t>9/5/2017</a:t>
+              <a:t>11/19/2017</a:t>
             </a:fld>
             <a:endParaRPr lang="en-US"/>
           </a:p>
@@ -3782,11 +3782,7 @@
             </a:br>
             <a:r>
               <a:rPr lang="en-US" dirty="0" smtClean="0"/>
-              <a:t>Recurrent Neural </a:t>
-            </a:r>
-            <a:r>
-              <a:rPr lang="en-US" dirty="0" smtClean="0"/>
-              <a:t>Networks</a:t>
+              <a:t>Recurrent Neural Networks</a:t>
             </a:r>
             <a:r>
               <a:rPr lang="en-US" dirty="0"/>
@@ -3816,6 +3812,25 @@
           </a:bodyPr>
           <a:lstStyle/>
           <a:p>
+            <a:r>
+              <a:rPr lang="en-US" sz="2400" dirty="0" smtClean="0">
+                <a:solidFill>
+                  <a:schemeClr val="accent1">
+                    <a:lumMod val="75000"/>
+                  </a:schemeClr>
+                </a:solidFill>
+              </a:rPr>
+              <a:t>Artificial Intelligence Training</a:t>
+            </a:r>
+            <a:br>
+              <a:rPr lang="en-US" sz="2400" dirty="0" smtClean="0">
+                <a:solidFill>
+                  <a:schemeClr val="accent1">
+                    <a:lumMod val="75000"/>
+                  </a:schemeClr>
+                </a:solidFill>
+              </a:rPr>
+            </a:br>
             <a:r>
               <a:rPr lang="en-US" sz="2400" dirty="0" smtClean="0">
                 <a:solidFill>
@@ -3857,6 +3872,35 @@
               <a:t>Ferlitsch</a:t>
             </a:r>
             <a:r>
+              <a:rPr lang="en-US" sz="2400" dirty="0" smtClean="0">
+                <a:solidFill>
+                  <a:schemeClr val="accent1">
+                    <a:lumMod val="75000"/>
+                  </a:schemeClr>
+                </a:solidFill>
+              </a:rPr>
+              <a:t/>
+            </a:r>
+            <a:br>
+              <a:rPr lang="en-US" sz="2400" dirty="0" smtClean="0">
+                <a:solidFill>
+                  <a:schemeClr val="accent1">
+                    <a:lumMod val="75000"/>
+                  </a:schemeClr>
+                </a:solidFill>
+              </a:rPr>
+            </a:br>
+            <a:r>
+              <a:rPr lang="en-US" sz="2400" dirty="0" smtClean="0">
+                <a:solidFill>
+                  <a:schemeClr val="accent1">
+                    <a:lumMod val="75000"/>
+                  </a:schemeClr>
+                </a:solidFill>
+              </a:rPr>
+              <a:t>Instructor</a:t>
+            </a:r>
+            <a:r>
               <a:rPr lang="en-US" sz="2400" dirty="0" smtClean="0"/>
               <a:t/>
             </a:r>
@@ -3865,11 +3909,7 @@
             </a:br>
             <a:r>
               <a:rPr lang="en-US" sz="1800" dirty="0" smtClean="0"/>
-              <a:t>September, </a:t>
-            </a:r>
-            <a:r>
-              <a:rPr lang="en-US" sz="1800" dirty="0" smtClean="0"/>
-              <a:t>2017</a:t>
+              <a:t>September, 2017</a:t>
             </a:r>
             <a:endParaRPr lang="en-US" sz="1800" dirty="0"/>
           </a:p>
@@ -4144,13 +4184,6 @@
               </a:rPr>
               <a:t>Feed Forward Network</a:t>
             </a:r>
-            <a:endParaRPr lang="en-US" sz="2800" b="1" dirty="0" smtClean="0">
-              <a:solidFill>
-                <a:schemeClr val="accent5">
-                  <a:lumMod val="75000"/>
-                </a:schemeClr>
-              </a:solidFill>
-            </a:endParaRPr>
           </a:p>
           <a:p>
             <a:pPr marL="742950" lvl="1" indent="-285750">
@@ -4569,11 +4602,7 @@
           <a:p>
             <a:r>
               <a:rPr lang="en-US" sz="1200" dirty="0" smtClean="0"/>
-              <a:t>Out</a:t>
-            </a:r>
-            <a:r>
-              <a:rPr lang="en-US" sz="1200" dirty="0" smtClean="0"/>
-              <a:t>puts</a:t>
+              <a:t>Outputs</a:t>
             </a:r>
             <a:endParaRPr lang="en-US" sz="1200" dirty="0"/>
           </a:p>
@@ -5324,11 +5353,7 @@
           <a:p>
             <a:r>
               <a:rPr lang="en-US" sz="1200" b="1" dirty="0" smtClean="0"/>
-              <a:t>Out</a:t>
-            </a:r>
-            <a:r>
-              <a:rPr lang="en-US" sz="1200" b="1" dirty="0" smtClean="0"/>
-              <a:t>puts</a:t>
+              <a:t>Outputs</a:t>
             </a:r>
           </a:p>
           <a:p>
@@ -6959,7 +6984,6 @@
               <a:rPr lang="en-US" sz="1200" b="1" baseline="-25000" dirty="0"/>
               <a:t>1</a:t>
             </a:r>
-            <a:endParaRPr lang="en-US" sz="1200" b="1" baseline="-25000" dirty="0"/>
           </a:p>
         </p:txBody>
       </p:sp>
@@ -7874,8 +7898,8 @@
         </p:nvSpPr>
         <p:spPr>
           <a:xfrm>
-            <a:off x="2292753" y="5572899"/>
-            <a:ext cx="4844852" cy="276999"/>
+            <a:off x="2088271" y="5572899"/>
+            <a:ext cx="5591787" cy="276999"/>
           </a:xfrm>
           <a:prstGeom prst="rect">
             <a:avLst/>
@@ -7896,7 +7920,57 @@
                   </a:schemeClr>
                 </a:solidFill>
               </a:rPr>
-              <a:t>View of Neural Network Unrolled, i.e., as each cycle was a separate layer.</a:t>
+              <a:t>View of </a:t>
+            </a:r>
+            <a:r>
+              <a:rPr lang="en-US" sz="1200" b="1" dirty="0" smtClean="0">
+                <a:solidFill>
+                  <a:schemeClr val="accent6">
+                    <a:lumMod val="75000"/>
+                  </a:schemeClr>
+                </a:solidFill>
+              </a:rPr>
+              <a:t>Recurrent Neural </a:t>
+            </a:r>
+            <a:r>
+              <a:rPr lang="en-US" sz="1200" b="1" dirty="0" smtClean="0">
+                <a:solidFill>
+                  <a:schemeClr val="accent6">
+                    <a:lumMod val="75000"/>
+                  </a:schemeClr>
+                </a:solidFill>
+              </a:rPr>
+              <a:t>Network Unrolled, i.e., </a:t>
+            </a:r>
+            <a:r>
+              <a:rPr lang="en-US" sz="1200" b="1" smtClean="0">
+                <a:solidFill>
+                  <a:schemeClr val="accent6">
+                    <a:lumMod val="75000"/>
+                  </a:schemeClr>
+                </a:solidFill>
+              </a:rPr>
+              <a:t>as </a:t>
+            </a:r>
+            <a:r>
+              <a:rPr lang="en-US" sz="1200" b="1" smtClean="0">
+                <a:solidFill>
+                  <a:schemeClr val="accent6">
+                    <a:lumMod val="75000"/>
+                  </a:schemeClr>
+                </a:solidFill>
+              </a:rPr>
+              <a:t>if each </a:t>
+            </a:r>
+            <a:r>
+              <a:rPr lang="en-US" sz="1200" b="1" dirty="0" smtClean="0">
+                <a:solidFill>
+                  <a:schemeClr val="accent6">
+                    <a:lumMod val="75000"/>
+                  </a:schemeClr>
+                </a:solidFill>
+              </a:rPr>
+              <a:t>cycle was a separate layer.</a:t>
             </a:r>
             <a:endParaRPr lang="en-US" sz="1200" b="1" baseline="-25000" dirty="0">
               <a:solidFill>
@@ -8924,13 +8998,6 @@
               </a:rPr>
               <a:t>Long Short – Term Memory is a type of RNN.</a:t>
             </a:r>
-            <a:endParaRPr lang="en-US" sz="2800" b="1" dirty="0" smtClean="0">
-              <a:solidFill>
-                <a:schemeClr val="accent5">
-                  <a:lumMod val="75000"/>
-                </a:schemeClr>
-              </a:solidFill>
-            </a:endParaRPr>
           </a:p>
           <a:p>
             <a:pPr marL="742950" lvl="1" indent="-285750">
@@ -8999,13 +9066,6 @@
               </a:rPr>
               <a:t>   forget (short).</a:t>
             </a:r>
-            <a:endParaRPr lang="en-US" sz="2400" b="1" dirty="0" smtClean="0">
-              <a:solidFill>
-                <a:schemeClr val="accent6">
-                  <a:lumMod val="75000"/>
-                </a:schemeClr>
-              </a:solidFill>
-            </a:endParaRPr>
           </a:p>
         </p:txBody>
       </p:sp>
@@ -9201,11 +9261,7 @@
           <a:p>
             <a:r>
               <a:rPr lang="en-US" sz="1200" dirty="0" smtClean="0"/>
-              <a:t>Out</a:t>
-            </a:r>
-            <a:r>
-              <a:rPr lang="en-US" sz="1200" dirty="0" smtClean="0"/>
-              <a:t>puts</a:t>
+              <a:t>Outputs</a:t>
             </a:r>
             <a:endParaRPr lang="en-US" sz="1200" dirty="0"/>
           </a:p>
@@ -10514,11 +10570,7 @@
           <a:p>
             <a:r>
               <a:rPr lang="en-US" sz="1200" b="1" dirty="0" smtClean="0"/>
-              <a:t>Out</a:t>
-            </a:r>
-            <a:r>
-              <a:rPr lang="en-US" sz="1200" b="1" dirty="0" smtClean="0"/>
-              <a:t>puts</a:t>
+              <a:t>Outputs</a:t>
             </a:r>
           </a:p>
           <a:p>
@@ -11048,13 +11100,6 @@
               </a:rPr>
               <a:t>Examples of constant values in LTSM memory cell:</a:t>
             </a:r>
-            <a:endParaRPr lang="en-US" sz="2800" b="1" dirty="0" smtClean="0">
-              <a:solidFill>
-                <a:schemeClr val="accent5">
-                  <a:lumMod val="75000"/>
-                </a:schemeClr>
-              </a:solidFill>
-            </a:endParaRPr>
           </a:p>
           <a:p>
             <a:pPr marL="742950" lvl="1" indent="-285750">
@@ -11103,13 +11148,6 @@
               </a:rPr>
               <a:t>Speed – What is my acceleration</a:t>
             </a:r>
-            <a:endParaRPr lang="en-US" sz="2400" b="1" dirty="0" smtClean="0">
-              <a:solidFill>
-                <a:schemeClr val="accent6">
-                  <a:lumMod val="75000"/>
-                </a:schemeClr>
-              </a:solidFill>
-            </a:endParaRPr>
           </a:p>
           <a:p>
             <a:pPr lvl="1"/>
